--- a/presentation/presentation_Borovets.pptx
+++ b/presentation/presentation_Borovets.pptx
@@ -5924,7 +5924,7 @@
         <p:spPr>
           <a:xfrm>
             <a:off x="400050" y="1041148"/>
-            <a:ext cx="11506200" cy="4507388"/>
+            <a:ext cx="11506200" cy="4969053"/>
           </a:xfrm>
           <a:prstGeom prst="rect">
             <a:avLst/>
@@ -5965,9 +5965,6 @@
               </a:rPr>
               <a:t> на 3.75 часа вперед.</a:t>
             </a:r>
-            <a:endParaRPr lang="en-US" sz="2000" dirty="0">
-              <a:cs typeface="Times New Roman" panose="02020603050405020304" pitchFamily="18" charset="0"/>
-            </a:endParaRPr>
           </a:p>
           <a:p>
             <a:pPr>
@@ -5975,21 +5972,11 @@
                 <a:spcPct val="150000"/>
               </a:lnSpc>
             </a:pPr>
-            <a:endParaRPr lang="ru-RU" sz="2000" dirty="0">
-              <a:cs typeface="Times New Roman" panose="02020603050405020304" pitchFamily="18" charset="0"/>
-            </a:endParaRPr>
-          </a:p>
-          <a:p>
-            <a:pPr>
-              <a:lnSpc>
-                <a:spcPct val="150000"/>
-              </a:lnSpc>
-            </a:pPr>
             <a:r>
               <a:rPr lang="ru-RU" sz="2000" b="1" dirty="0">
                 <a:cs typeface="Times New Roman" panose="02020603050405020304" pitchFamily="18" charset="0"/>
               </a:rPr>
-              <a:t>Основные результаты:</a:t>
+              <a:t>Результаты по задачам:</a:t>
             </a:r>
           </a:p>
           <a:p>
@@ -6001,10 +5988,16 @@
               <a:buAutoNum type="arabicPeriod"/>
             </a:pPr>
             <a:r>
+              <a:rPr lang="ru-RU" sz="2000" b="1" dirty="0">
+                <a:cs typeface="Times New Roman" panose="02020603050405020304" pitchFamily="18" charset="0"/>
+              </a:rPr>
+              <a:t>Обзор литературы:</a:t>
+            </a:r>
+            <a:r>
               <a:rPr lang="ru-RU" sz="2000" dirty="0">
                 <a:cs typeface="Times New Roman" panose="02020603050405020304" pitchFamily="18" charset="0"/>
               </a:rPr>
-              <a:t>Проведен анализ промышленных данных.</a:t>
+              <a:t> сформирована теоретическая база.</a:t>
             </a:r>
           </a:p>
           <a:p>
@@ -6016,10 +6009,16 @@
               <a:buAutoNum type="arabicPeriod"/>
             </a:pPr>
             <a:r>
+              <a:rPr lang="ru-RU" sz="2000" b="1" dirty="0">
+                <a:cs typeface="Times New Roman" panose="02020603050405020304" pitchFamily="18" charset="0"/>
+              </a:rPr>
+              <a:t>Анализ данных: </a:t>
+            </a:r>
+            <a:r>
               <a:rPr lang="ru-RU" sz="2000" dirty="0">
                 <a:cs typeface="Times New Roman" panose="02020603050405020304" pitchFamily="18" charset="0"/>
               </a:rPr>
-              <a:t>Выявлены ключевые факторы (метрики) производительности.</a:t>
+              <a:t>выявлены сезонность и ключевые признаки.</a:t>
             </a:r>
           </a:p>
           <a:p>
@@ -6031,40 +6030,28 @@
               <a:buAutoNum type="arabicPeriod"/>
             </a:pPr>
             <a:r>
-              <a:rPr lang="en" sz="2000" b="1" dirty="0">
-                <a:cs typeface="Times New Roman" panose="02020603050405020304" pitchFamily="18" charset="0"/>
-              </a:rPr>
-              <a:t>LSTM</a:t>
+              <a:rPr lang="ru-RU" sz="2000" b="1" dirty="0">
+                <a:cs typeface="Times New Roman" panose="02020603050405020304" pitchFamily="18" charset="0"/>
+              </a:rPr>
+              <a:t>Сравнение методов: </a:t>
+            </a:r>
+            <a:r>
+              <a:rPr lang="ru-RU" sz="2000" dirty="0">
+                <a:cs typeface="Times New Roman" panose="02020603050405020304" pitchFamily="18" charset="0"/>
+              </a:rPr>
+              <a:t>подтверждена перспективность </a:t>
             </a:r>
             <a:r>
               <a:rPr lang="en" sz="2000" dirty="0">
                 <a:cs typeface="Times New Roman" panose="02020603050405020304" pitchFamily="18" charset="0"/>
               </a:rPr>
-              <a:t> — </a:t>
+              <a:t>ML/DL </a:t>
             </a:r>
             <a:r>
               <a:rPr lang="ru-RU" sz="2000" dirty="0">
                 <a:cs typeface="Times New Roman" panose="02020603050405020304" pitchFamily="18" charset="0"/>
               </a:rPr>
-              <a:t>лучшая модель (</a:t>
-            </a:r>
-            <a:r>
-              <a:rPr lang="en" sz="2000" dirty="0">
-                <a:cs typeface="Times New Roman" panose="02020603050405020304" pitchFamily="18" charset="0"/>
-              </a:rPr>
-              <a:t>MAPE </a:t>
-            </a:r>
-            <a:r>
-              <a:rPr lang="en" sz="2000" b="1" dirty="0">
-                <a:cs typeface="Times New Roman" panose="02020603050405020304" pitchFamily="18" charset="0"/>
-              </a:rPr>
-              <a:t>0.89%</a:t>
-            </a:r>
-            <a:r>
-              <a:rPr lang="en" sz="2000" dirty="0">
-                <a:cs typeface="Times New Roman" panose="02020603050405020304" pitchFamily="18" charset="0"/>
-              </a:rPr>
-              <a:t>).</a:t>
+              <a:t>подходов.</a:t>
             </a:r>
           </a:p>
           <a:p>
@@ -6076,6 +6063,30 @@
               <a:buAutoNum type="arabicPeriod"/>
             </a:pPr>
             <a:r>
+              <a:rPr lang="ru-RU" sz="2000" b="1" dirty="0">
+                <a:cs typeface="Times New Roman" panose="02020603050405020304" pitchFamily="18" charset="0"/>
+              </a:rPr>
+              <a:t>Реализация моделей: </a:t>
+            </a:r>
+            <a:r>
+              <a:rPr lang="ru-RU" sz="2000" dirty="0">
+                <a:cs typeface="Times New Roman" panose="02020603050405020304" pitchFamily="18" charset="0"/>
+              </a:rPr>
+              <a:t>реализованы </a:t>
+            </a:r>
+            <a:r>
+              <a:rPr lang="en" sz="2000" b="1" dirty="0">
+                <a:cs typeface="Times New Roman" panose="02020603050405020304" pitchFamily="18" charset="0"/>
+              </a:rPr>
+              <a:t>SARIMA</a:t>
+            </a:r>
+            <a:r>
+              <a:rPr lang="en" sz="2000" dirty="0">
+                <a:cs typeface="Times New Roman" panose="02020603050405020304" pitchFamily="18" charset="0"/>
+              </a:rPr>
+              <a:t>, </a:t>
+            </a:r>
+            <a:r>
               <a:rPr lang="en" sz="2000" b="1" dirty="0" err="1">
                 <a:cs typeface="Times New Roman" panose="02020603050405020304" pitchFamily="18" charset="0"/>
               </a:rPr>
@@ -6085,31 +6096,19 @@
               <a:rPr lang="en" sz="2000" dirty="0">
                 <a:cs typeface="Times New Roman" panose="02020603050405020304" pitchFamily="18" charset="0"/>
               </a:rPr>
-              <a:t> — </a:t>
-            </a:r>
-            <a:r>
-              <a:rPr lang="ru-RU" sz="2000" dirty="0">
-                <a:cs typeface="Times New Roman" panose="02020603050405020304" pitchFamily="18" charset="0"/>
-              </a:rPr>
-              <a:t>альтернатива (</a:t>
+              <a:t>, </a:t>
+            </a:r>
+            <a:r>
+              <a:rPr lang="en" sz="2000" b="1" dirty="0">
+                <a:cs typeface="Times New Roman" panose="02020603050405020304" pitchFamily="18" charset="0"/>
+              </a:rPr>
+              <a:t>LSTM</a:t>
             </a:r>
             <a:r>
               <a:rPr lang="en" sz="2000" dirty="0">
                 <a:cs typeface="Times New Roman" panose="02020603050405020304" pitchFamily="18" charset="0"/>
               </a:rPr>
-              <a:t>MAPE </a:t>
-            </a:r>
-            <a:r>
-              <a:rPr lang="en" sz="2000" b="1" dirty="0">
-                <a:cs typeface="Times New Roman" panose="02020603050405020304" pitchFamily="18" charset="0"/>
-              </a:rPr>
-              <a:t>8.90%</a:t>
-            </a:r>
-            <a:r>
-              <a:rPr lang="en" sz="2000" dirty="0">
-                <a:cs typeface="Times New Roman" panose="02020603050405020304" pitchFamily="18" charset="0"/>
-              </a:rPr>
-              <a:t>).</a:t>
+              <a:t>.</a:t>
             </a:r>
           </a:p>
           <a:p>
@@ -6121,38 +6120,95 @@
               <a:buAutoNum type="arabicPeriod"/>
             </a:pPr>
             <a:r>
+              <a:rPr lang="en" sz="2000" b="1" dirty="0" err="1">
+                <a:cs typeface="Times New Roman" panose="02020603050405020304" pitchFamily="18" charset="0"/>
+              </a:rPr>
+              <a:t>MLOps</a:t>
+            </a:r>
+            <a:r>
+              <a:rPr lang="en" sz="2000" b="1" dirty="0">
+                <a:cs typeface="Times New Roman" panose="02020603050405020304" pitchFamily="18" charset="0"/>
+              </a:rPr>
+              <a:t>: </a:t>
+            </a:r>
+            <a:r>
               <a:rPr lang="ru-RU" sz="2000" dirty="0">
                 <a:cs typeface="Times New Roman" panose="02020603050405020304" pitchFamily="18" charset="0"/>
               </a:rPr>
-              <a:t>Создан </a:t>
-            </a:r>
+              <a:t>реализована методология, решена проблема утечки данных.</a:t>
+            </a:r>
+          </a:p>
+          <a:p>
+            <a:pPr marL="457200" indent="-457200">
+              <a:lnSpc>
+                <a:spcPct val="150000"/>
+              </a:lnSpc>
+              <a:buFont typeface="+mj-lt"/>
+              <a:buAutoNum type="arabicPeriod"/>
+            </a:pPr>
             <a:r>
               <a:rPr lang="ru-RU" sz="2000" b="1" dirty="0">
                 <a:cs typeface="Times New Roman" panose="02020603050405020304" pitchFamily="18" charset="0"/>
               </a:rPr>
-              <a:t>прототип</a:t>
+              <a:t>Эксперименты: </a:t>
+            </a:r>
+            <a:r>
+              <a:rPr lang="en" sz="2000" b="1" dirty="0">
+                <a:cs typeface="Times New Roman" panose="02020603050405020304" pitchFamily="18" charset="0"/>
+              </a:rPr>
+              <a:t>LSTM</a:t>
+            </a:r>
+            <a:r>
+              <a:rPr lang="en" sz="2000" dirty="0">
+                <a:cs typeface="Times New Roman" panose="02020603050405020304" pitchFamily="18" charset="0"/>
+              </a:rPr>
+              <a:t> — </a:t>
             </a:r>
             <a:r>
               <a:rPr lang="ru-RU" sz="2000" dirty="0">
                 <a:cs typeface="Times New Roman" panose="02020603050405020304" pitchFamily="18" charset="0"/>
               </a:rPr>
-              <a:t>, готовый к интеграции в </a:t>
-            </a:r>
-            <a:r>
-              <a:rPr lang="en" sz="2000" dirty="0" err="1">
-                <a:cs typeface="Times New Roman" panose="02020603050405020304" pitchFamily="18" charset="0"/>
-              </a:rPr>
-              <a:t>MLOps</a:t>
+              <a:t>лучшая модель (</a:t>
             </a:r>
             <a:r>
               <a:rPr lang="en" sz="2000" dirty="0">
                 <a:cs typeface="Times New Roman" panose="02020603050405020304" pitchFamily="18" charset="0"/>
               </a:rPr>
-              <a:t>.</a:t>
-            </a:r>
-            <a:endParaRPr lang="ru-RU" sz="2000" dirty="0">
-              <a:cs typeface="Times New Roman" panose="02020603050405020304" pitchFamily="18" charset="0"/>
-            </a:endParaRPr>
+              <a:t>MAPE </a:t>
+            </a:r>
+            <a:r>
+              <a:rPr lang="en" sz="2000" b="1" dirty="0">
+                <a:cs typeface="Times New Roman" panose="02020603050405020304" pitchFamily="18" charset="0"/>
+              </a:rPr>
+              <a:t>0.89%</a:t>
+            </a:r>
+            <a:r>
+              <a:rPr lang="en" sz="2000" dirty="0">
+                <a:cs typeface="Times New Roman" panose="02020603050405020304" pitchFamily="18" charset="0"/>
+              </a:rPr>
+              <a:t>).</a:t>
+            </a:r>
+          </a:p>
+          <a:p>
+            <a:pPr marL="457200" indent="-457200">
+              <a:lnSpc>
+                <a:spcPct val="150000"/>
+              </a:lnSpc>
+              <a:buFont typeface="+mj-lt"/>
+              <a:buAutoNum type="arabicPeriod"/>
+            </a:pPr>
+            <a:r>
+              <a:rPr lang="ru-RU" sz="2000" b="1" dirty="0">
+                <a:cs typeface="Times New Roman" panose="02020603050405020304" pitchFamily="18" charset="0"/>
+              </a:rPr>
+              <a:t>Рекомендации: </a:t>
+            </a:r>
+            <a:r>
+              <a:rPr lang="ru-RU" sz="2000" dirty="0">
+                <a:cs typeface="Times New Roman" panose="02020603050405020304" pitchFamily="18" charset="0"/>
+              </a:rPr>
+              <a:t>сформулированы для внедрения.</a:t>
+            </a:r>
           </a:p>
         </p:txBody>
       </p:sp>
@@ -7281,7 +7337,7 @@
         <p:spPr>
           <a:xfrm>
             <a:off x="400050" y="1041148"/>
-            <a:ext cx="11506200" cy="3961149"/>
+            <a:ext cx="11506200" cy="5122941"/>
           </a:xfrm>
           <a:prstGeom prst="rect">
             <a:avLst/>
@@ -7310,19 +7366,6 @@
               </a:rPr>
               <a:t>: разработать метод предиктивного анализа для прогнозирования сквозной задержки в конвейере видеоаналитики.</a:t>
             </a:r>
-            <a:endParaRPr lang="en-US" sz="2000" dirty="0">
-              <a:cs typeface="Times New Roman" panose="02020603050405020304" pitchFamily="18" charset="0"/>
-            </a:endParaRPr>
-          </a:p>
-          <a:p>
-            <a:pPr>
-              <a:lnSpc>
-                <a:spcPct val="150000"/>
-              </a:lnSpc>
-            </a:pPr>
-            <a:endParaRPr lang="ru-RU" sz="2000" dirty="0">
-              <a:cs typeface="Times New Roman" panose="02020603050405020304" pitchFamily="18" charset="0"/>
-            </a:endParaRPr>
           </a:p>
           <a:p>
             <a:pPr>
@@ -7355,7 +7398,7 @@
               <a:rPr lang="ru-RU" sz="2000" dirty="0">
                 <a:cs typeface="Times New Roman" panose="02020603050405020304" pitchFamily="18" charset="0"/>
               </a:rPr>
-              <a:t>Проанализировать данные мониторинга, выявить ключевые метрики.</a:t>
+              <a:t>Провести аналитический обзор литературы.</a:t>
             </a:r>
           </a:p>
           <a:p>
@@ -7373,7 +7416,7 @@
               <a:rPr lang="ru-RU" sz="2000" dirty="0">
                 <a:cs typeface="Times New Roman" panose="02020603050405020304" pitchFamily="18" charset="0"/>
               </a:rPr>
-              <a:t>Разработать и сравнить прогностические модели.</a:t>
+              <a:t>Выполнить анализ данных, выявить корреляции и признаки.</a:t>
             </a:r>
           </a:p>
           <a:p>
@@ -7391,25 +7434,13 @@
               <a:rPr lang="ru-RU" sz="2000" dirty="0">
                 <a:cs typeface="Times New Roman" panose="02020603050405020304" pitchFamily="18" charset="0"/>
               </a:rPr>
-              <a:t>Реализовать </a:t>
-            </a:r>
-            <a:r>
-              <a:rPr lang="en" sz="2000" dirty="0" err="1">
-                <a:cs typeface="Times New Roman" panose="02020603050405020304" pitchFamily="18" charset="0"/>
-              </a:rPr>
-              <a:t>MLOps</a:t>
+              <a:t>Провести сравнительный анализ методов (статистика, </a:t>
             </a:r>
             <a:r>
               <a:rPr lang="en" sz="2000" dirty="0">
                 <a:cs typeface="Times New Roman" panose="02020603050405020304" pitchFamily="18" charset="0"/>
               </a:rPr>
-              <a:t>-</a:t>
-            </a:r>
-            <a:r>
-              <a:rPr lang="ru-RU" sz="2000" dirty="0">
-                <a:cs typeface="Times New Roman" panose="02020603050405020304" pitchFamily="18" charset="0"/>
-              </a:rPr>
-              <a:t>конвейер для автоматизации.</a:t>
+              <a:t>ML, DL).</a:t>
             </a:r>
           </a:p>
           <a:p>
@@ -7427,17 +7458,80 @@
               <a:rPr lang="ru-RU" sz="2000" dirty="0">
                 <a:cs typeface="Times New Roman" panose="02020603050405020304" pitchFamily="18" charset="0"/>
               </a:rPr>
-              <a:t>Провести эксперименты и выбрать оптимальную модель (</a:t>
+              <a:t>Выбрать и реализовать 3 ключевые модели.</a:t>
+            </a:r>
+          </a:p>
+          <a:p>
+            <a:pPr marL="457200" indent="-457200">
+              <a:lnSpc>
+                <a:spcPct val="150000"/>
+              </a:lnSpc>
+              <a:spcAft>
+                <a:spcPts val="600"/>
+              </a:spcAft>
+              <a:buFont typeface="+mj-lt"/>
+              <a:buAutoNum type="arabicPeriod"/>
+            </a:pPr>
+            <a:r>
+              <a:rPr lang="ru-RU" sz="2000" dirty="0">
+                <a:cs typeface="Times New Roman" panose="02020603050405020304" pitchFamily="18" charset="0"/>
+              </a:rPr>
+              <a:t>Спроектировать и реализовать </a:t>
+            </a:r>
+            <a:r>
+              <a:rPr lang="en" sz="2000" dirty="0" err="1">
+                <a:cs typeface="Times New Roman" panose="02020603050405020304" pitchFamily="18" charset="0"/>
+              </a:rPr>
+              <a:t>MLOps</a:t>
             </a:r>
             <a:r>
               <a:rPr lang="en" sz="2000" dirty="0">
                 <a:cs typeface="Times New Roman" panose="02020603050405020304" pitchFamily="18" charset="0"/>
               </a:rPr>
-              <a:t>MAPE &lt; 10%).</a:t>
-            </a:r>
-            <a:endParaRPr lang="ru-RU" sz="2000" dirty="0">
-              <a:cs typeface="Times New Roman" panose="02020603050405020304" pitchFamily="18" charset="0"/>
-            </a:endParaRPr>
+              <a:t>-</a:t>
+            </a:r>
+            <a:r>
+              <a:rPr lang="ru-RU" sz="2000" dirty="0">
+                <a:cs typeface="Times New Roman" panose="02020603050405020304" pitchFamily="18" charset="0"/>
+              </a:rPr>
+              <a:t>конвейер.</a:t>
+            </a:r>
+          </a:p>
+          <a:p>
+            <a:pPr marL="457200" indent="-457200">
+              <a:lnSpc>
+                <a:spcPct val="150000"/>
+              </a:lnSpc>
+              <a:spcAft>
+                <a:spcPts val="600"/>
+              </a:spcAft>
+              <a:buFont typeface="+mj-lt"/>
+              <a:buAutoNum type="arabicPeriod"/>
+            </a:pPr>
+            <a:r>
+              <a:rPr lang="ru-RU" sz="2000" dirty="0">
+                <a:cs typeface="Times New Roman" panose="02020603050405020304" pitchFamily="18" charset="0"/>
+              </a:rPr>
+              <a:t>Провести экспериментальное исследование моделей.</a:t>
+            </a:r>
+          </a:p>
+          <a:p>
+            <a:pPr marL="457200" indent="-457200">
+              <a:lnSpc>
+                <a:spcPct val="150000"/>
+              </a:lnSpc>
+              <a:spcAft>
+                <a:spcPts val="600"/>
+              </a:spcAft>
+              <a:buFont typeface="+mj-lt"/>
+              <a:buAutoNum type="arabicPeriod"/>
+            </a:pPr>
+            <a:r>
+              <a:rPr lang="ru-RU" sz="2000" dirty="0">
+                <a:cs typeface="Times New Roman" panose="02020603050405020304" pitchFamily="18" charset="0"/>
+              </a:rPr>
+              <a:t>Сформулировать практические рекомендации.</a:t>
+            </a:r>
           </a:p>
         </p:txBody>
       </p:sp>
@@ -7522,7 +7616,7 @@
               <a:rPr lang="ru-RU" smtClean="0"/>
               <a:t>3</a:t>
             </a:fld>
-            <a:endParaRPr lang="ru-RU"/>
+            <a:endParaRPr lang="ru-RU" dirty="0"/>
           </a:p>
         </p:txBody>
       </p:sp>

--- a/presentation/presentation_Borovets.pptx
+++ b/presentation/presentation_Borovets.pptx
@@ -216,7 +216,7 @@
           <a:p>
             <a:fld id="{461D217C-8F14-4A95-9B3B-4081BE03D1B8}" type="datetimeFigureOut">
               <a:rPr lang="ru-RU" smtClean="0"/>
-              <a:t>24.06.2025</a:t>
+              <a:t>25.06.2025</a:t>
             </a:fld>
             <a:endParaRPr lang="ru-RU"/>
           </a:p>
@@ -381,7 +381,7 @@
           <a:p>
             <a:fld id="{469F0F39-6719-4D1C-9EBD-0B13B351346E}" type="datetimeFigureOut">
               <a:rPr lang="ru-RU" smtClean="0"/>
-              <a:t>24.06.2025</a:t>
+              <a:t>25.06.2025</a:t>
             </a:fld>
             <a:endParaRPr lang="ru-RU"/>
           </a:p>
@@ -7826,7 +7826,7 @@
         <p:spPr>
           <a:xfrm>
             <a:off x="400050" y="2228810"/>
-            <a:ext cx="11506200" cy="3076291"/>
+            <a:ext cx="11506200" cy="3083921"/>
           </a:xfrm>
           <a:prstGeom prst="rect">
             <a:avLst/>
@@ -7876,7 +7876,7 @@
               <a:rPr lang="ru-RU" sz="2000" dirty="0">
                 <a:cs typeface="Times New Roman" panose="02020603050405020304" pitchFamily="18" charset="0"/>
               </a:rPr>
-              <a:t> статические </a:t>
+              <a:t> статические уведомления (</a:t>
             </a:r>
             <a:r>
               <a:rPr lang="ru-RU" sz="2000" dirty="0" err="1">
@@ -7888,7 +7888,7 @@
               <a:rPr lang="ru-RU" sz="2000" dirty="0">
                 <a:cs typeface="Times New Roman" panose="02020603050405020304" pitchFamily="18" charset="0"/>
               </a:rPr>
-              <a:t> в </a:t>
+              <a:t>) в </a:t>
             </a:r>
             <a:r>
               <a:rPr lang="en" sz="2000" dirty="0">
